--- a/presentation/20240306/presentation-20240306.pptx
+++ b/presentation/20240306/presentation-20240306.pptx
@@ -369,7 +369,7 @@
             <a:fld id="{B61BEF0D-F0BB-DE4B-95CE-6DB70DBA9567}" type="datetimeFigureOut">
               <a:rPr lang="en-US" dirty="0"/>
               <a:pPr/>
-              <a:t>3/5/24</a:t>
+              <a:t>3/6/24</a:t>
             </a:fld>
             <a:endParaRPr lang="en-US" dirty="0"/>
           </a:p>
@@ -628,7 +628,7 @@
             <a:fld id="{B61BEF0D-F0BB-DE4B-95CE-6DB70DBA9567}" type="datetimeFigureOut">
               <a:rPr lang="en-US" dirty="0"/>
               <a:pPr/>
-              <a:t>3/5/24</a:t>
+              <a:t>3/6/24</a:t>
             </a:fld>
             <a:endParaRPr lang="en-US" dirty="0"/>
           </a:p>
@@ -860,7 +860,7 @@
             <a:fld id="{B61BEF0D-F0BB-DE4B-95CE-6DB70DBA9567}" type="datetimeFigureOut">
               <a:rPr lang="en-US" dirty="0"/>
               <a:pPr/>
-              <a:t>3/5/24</a:t>
+              <a:t>3/6/24</a:t>
             </a:fld>
             <a:endParaRPr lang="en-US" dirty="0"/>
           </a:p>
@@ -1097,7 +1097,7 @@
             <a:fld id="{B61BEF0D-F0BB-DE4B-95CE-6DB70DBA9567}" type="datetimeFigureOut">
               <a:rPr lang="en-US" dirty="0"/>
               <a:pPr/>
-              <a:t>3/5/24</a:t>
+              <a:t>3/6/24</a:t>
             </a:fld>
             <a:endParaRPr lang="en-US" dirty="0"/>
           </a:p>
@@ -1401,7 +1401,7 @@
             <a:fld id="{B61BEF0D-F0BB-DE4B-95CE-6DB70DBA9567}" type="datetimeFigureOut">
               <a:rPr lang="en-US" dirty="0"/>
               <a:pPr/>
-              <a:t>3/5/24</a:t>
+              <a:t>3/6/24</a:t>
             </a:fld>
             <a:endParaRPr lang="en-US" dirty="0"/>
           </a:p>
@@ -1700,7 +1700,7 @@
             <a:fld id="{B61BEF0D-F0BB-DE4B-95CE-6DB70DBA9567}" type="datetimeFigureOut">
               <a:rPr lang="en-US" dirty="0"/>
               <a:pPr/>
-              <a:t>3/5/24</a:t>
+              <a:t>3/6/24</a:t>
             </a:fld>
             <a:endParaRPr lang="en-US" dirty="0"/>
           </a:p>
@@ -2119,7 +2119,7 @@
             <a:fld id="{B61BEF0D-F0BB-DE4B-95CE-6DB70DBA9567}" type="datetimeFigureOut">
               <a:rPr lang="en-US" dirty="0"/>
               <a:pPr/>
-              <a:t>3/5/24</a:t>
+              <a:t>3/6/24</a:t>
             </a:fld>
             <a:endParaRPr lang="en-US" dirty="0"/>
           </a:p>
@@ -2278,7 +2278,7 @@
             <a:fld id="{B61BEF0D-F0BB-DE4B-95CE-6DB70DBA9567}" type="datetimeFigureOut">
               <a:rPr lang="en-US" dirty="0"/>
               <a:pPr/>
-              <a:t>3/5/24</a:t>
+              <a:t>3/6/24</a:t>
             </a:fld>
             <a:endParaRPr lang="en-US" dirty="0"/>
           </a:p>
@@ -2370,7 +2370,7 @@
             <a:fld id="{B61BEF0D-F0BB-DE4B-95CE-6DB70DBA9567}" type="datetimeFigureOut">
               <a:rPr lang="en-US" dirty="0"/>
               <a:pPr/>
-              <a:t>3/5/24</a:t>
+              <a:t>3/6/24</a:t>
             </a:fld>
             <a:endParaRPr lang="en-US" dirty="0"/>
           </a:p>
@@ -2745,7 +2745,7 @@
             <a:fld id="{B61BEF0D-F0BB-DE4B-95CE-6DB70DBA9567}" type="datetimeFigureOut">
               <a:rPr lang="en-US" dirty="0"/>
               <a:pPr/>
-              <a:t>3/5/24</a:t>
+              <a:t>3/6/24</a:t>
             </a:fld>
             <a:endParaRPr lang="en-US" dirty="0"/>
           </a:p>
@@ -3031,7 +3031,7 @@
             <a:fld id="{B61BEF0D-F0BB-DE4B-95CE-6DB70DBA9567}" type="datetimeFigureOut">
               <a:rPr lang="en-US" dirty="0"/>
               <a:pPr/>
-              <a:t>3/5/24</a:t>
+              <a:t>3/6/24</a:t>
             </a:fld>
             <a:endParaRPr lang="en-US" dirty="0"/>
           </a:p>
@@ -3239,7 +3239,7 @@
             <a:fld id="{B61BEF0D-F0BB-DE4B-95CE-6DB70DBA9567}" type="datetimeFigureOut">
               <a:rPr lang="en-US" dirty="0"/>
               <a:pPr/>
-              <a:t>3/5/24</a:t>
+              <a:t>3/6/24</a:t>
             </a:fld>
             <a:endParaRPr lang="en-US" dirty="0"/>
           </a:p>
@@ -6695,7 +6695,15 @@
             <a:pPr lvl="1"/>
             <a:r>
               <a:rPr lang="en-TW" dirty="0"/>
-              <a:t>11 duplicate title papers have the same suthor, while the other 7 have different</a:t>
+              <a:t>11 duplicate title papers have the </a:t>
+            </a:r>
+            <a:r>
+              <a:rPr lang="en-TW"/>
+              <a:t>same author</a:t>
+            </a:r>
+            <a:r>
+              <a:rPr lang="en-TW" dirty="0"/>
+              <a:t>, while the other 7 have different</a:t>
             </a:r>
           </a:p>
           <a:p>
